--- a/projeto RN.pptx
+++ b/projeto RN.pptx
@@ -10,7 +10,7 @@
   <p:sldIdLst>
     <p:sldId id="290" r:id="rId2"/>
     <p:sldId id="291" r:id="rId3"/>
-    <p:sldId id="292" r:id="rId4"/>
+    <p:sldId id="322" r:id="rId4"/>
     <p:sldId id="293" r:id="rId5"/>
     <p:sldId id="294" r:id="rId6"/>
     <p:sldId id="295" r:id="rId7"/>
@@ -228,7 +228,7 @@
           <a:p>
             <a:fld id="{9F5B8AE1-A868-454D-9019-D713EF62A972}" type="datetimeFigureOut">
               <a:rPr lang="en-US" smtClean="0"/>
-              <a:t>7/17/12</a:t>
+              <a:t>18/07/12</a:t>
             </a:fld>
             <a:endParaRPr lang="en-US"/>
           </a:p>
@@ -715,7 +715,7 @@
           <a:p>
             <a:fld id="{70FAA508-F0CD-46EA-95FB-26B559A0B5D9}" type="datetimeFigureOut">
               <a:rPr lang="en-US" smtClean="0"/>
-              <a:t>7/17/12</a:t>
+              <a:t>18/07/12</a:t>
             </a:fld>
             <a:endParaRPr lang="en-US"/>
           </a:p>
@@ -1036,7 +1036,7 @@
           <a:p>
             <a:fld id="{70FAA508-F0CD-46EA-95FB-26B559A0B5D9}" type="datetimeFigureOut">
               <a:rPr lang="en-US" smtClean="0"/>
-              <a:t>7/17/12</a:t>
+              <a:t>18/07/12</a:t>
             </a:fld>
             <a:endParaRPr lang="en-US"/>
           </a:p>
@@ -1313,7 +1313,7 @@
           <a:p>
             <a:fld id="{70FAA508-F0CD-46EA-95FB-26B559A0B5D9}" type="datetimeFigureOut">
               <a:rPr lang="en-US" smtClean="0"/>
-              <a:t>7/17/12</a:t>
+              <a:t>18/07/12</a:t>
             </a:fld>
             <a:endParaRPr lang="en-US"/>
           </a:p>
@@ -1607,7 +1607,7 @@
           <a:p>
             <a:fld id="{70FAA508-F0CD-46EA-95FB-26B559A0B5D9}" type="datetimeFigureOut">
               <a:rPr lang="en-US" smtClean="0"/>
-              <a:t>7/17/12</a:t>
+              <a:t>18/07/12</a:t>
             </a:fld>
             <a:endParaRPr lang="en-US"/>
           </a:p>
@@ -1936,7 +1936,7 @@
           <a:p>
             <a:fld id="{70FAA508-F0CD-46EA-95FB-26B559A0B5D9}" type="datetimeFigureOut">
               <a:rPr lang="en-US" smtClean="0"/>
-              <a:t>7/17/12</a:t>
+              <a:t>18/07/12</a:t>
             </a:fld>
             <a:endParaRPr lang="en-US"/>
           </a:p>
@@ -2187,7 +2187,7 @@
           <a:p>
             <a:fld id="{70FAA508-F0CD-46EA-95FB-26B559A0B5D9}" type="datetimeFigureOut">
               <a:rPr lang="en-US" smtClean="0"/>
-              <a:t>7/17/12</a:t>
+              <a:t>18/07/12</a:t>
             </a:fld>
             <a:endParaRPr lang="en-US"/>
           </a:p>
@@ -2366,7 +2366,7 @@
           <a:p>
             <a:fld id="{70FAA508-F0CD-46EA-95FB-26B559A0B5D9}" type="datetimeFigureOut">
               <a:rPr lang="en-US" smtClean="0"/>
-              <a:t>7/17/12</a:t>
+              <a:t>18/07/12</a:t>
             </a:fld>
             <a:endParaRPr lang="en-US"/>
           </a:p>
@@ -2535,7 +2535,7 @@
           <a:p>
             <a:fld id="{70FAA508-F0CD-46EA-95FB-26B559A0B5D9}" type="datetimeFigureOut">
               <a:rPr lang="en-US" smtClean="0"/>
-              <a:t>7/17/12</a:t>
+              <a:t>18/07/12</a:t>
             </a:fld>
             <a:endParaRPr lang="en-US"/>
           </a:p>
@@ -2804,7 +2804,7 @@
           <a:p>
             <a:fld id="{70FAA508-F0CD-46EA-95FB-26B559A0B5D9}" type="datetimeFigureOut">
               <a:rPr lang="en-US" smtClean="0"/>
-              <a:t>7/17/12</a:t>
+              <a:t>18/07/12</a:t>
             </a:fld>
             <a:endParaRPr lang="en-US"/>
           </a:p>
@@ -3111,7 +3111,7 @@
           <a:p>
             <a:fld id="{70FAA508-F0CD-46EA-95FB-26B559A0B5D9}" type="datetimeFigureOut">
               <a:rPr lang="en-US" smtClean="0"/>
-              <a:t>7/17/12</a:t>
+              <a:t>18/07/12</a:t>
             </a:fld>
             <a:endParaRPr lang="en-US"/>
           </a:p>
@@ -3403,7 +3403,7 @@
           <a:p>
             <a:fld id="{70FAA508-F0CD-46EA-95FB-26B559A0B5D9}" type="datetimeFigureOut">
               <a:rPr lang="en-US" smtClean="0"/>
-              <a:t>7/17/12</a:t>
+              <a:t>18/07/12</a:t>
             </a:fld>
             <a:endParaRPr lang="en-US"/>
           </a:p>
@@ -3833,7 +3833,7 @@
           <a:p>
             <a:fld id="{70FAA508-F0CD-46EA-95FB-26B559A0B5D9}" type="datetimeFigureOut">
               <a:rPr lang="en-US" smtClean="0"/>
-              <a:t>7/17/12</a:t>
+              <a:t>18/07/12</a:t>
             </a:fld>
             <a:endParaRPr lang="en-US"/>
           </a:p>
@@ -4179,7 +4179,7 @@
           <a:p>
             <a:fld id="{70FAA508-F0CD-46EA-95FB-26B559A0B5D9}" type="datetimeFigureOut">
               <a:rPr lang="en-US" smtClean="0"/>
-              <a:t>7/17/12</a:t>
+              <a:t>18/07/12</a:t>
             </a:fld>
             <a:endParaRPr lang="en-US"/>
           </a:p>
@@ -4269,7 +4269,7 @@
           <a:p>
             <a:fld id="{70FAA508-F0CD-46EA-95FB-26B559A0B5D9}" type="datetimeFigureOut">
               <a:rPr lang="en-US" smtClean="0"/>
-              <a:t>7/17/12</a:t>
+              <a:t>18/07/12</a:t>
             </a:fld>
             <a:endParaRPr lang="en-US"/>
           </a:p>
@@ -4606,7 +4606,7 @@
           <a:p>
             <a:fld id="{70FAA508-F0CD-46EA-95FB-26B559A0B5D9}" type="datetimeFigureOut">
               <a:rPr lang="en-US" smtClean="0"/>
-              <a:t>7/17/12</a:t>
+              <a:t>18/07/12</a:t>
             </a:fld>
             <a:endParaRPr lang="en-US"/>
           </a:p>
@@ -4818,7 +4818,7 @@
           <a:p>
             <a:fld id="{70FAA508-F0CD-46EA-95FB-26B559A0B5D9}" type="datetimeFigureOut">
               <a:rPr lang="en-US" smtClean="0"/>
-              <a:t>7/17/12</a:t>
+              <a:t>18/07/12</a:t>
             </a:fld>
             <a:endParaRPr lang="en-US"/>
           </a:p>
@@ -10442,6 +10442,13 @@
   <p:clrMapOvr>
     <a:masterClrMapping/>
   </p:clrMapOvr>
+  <p:timing>
+    <p:tnLst>
+      <p:par>
+        <p:cTn xmlns:p14="http://schemas.microsoft.com/office/powerpoint/2010/main" id="1" dur="indefinite" restart="never" nodeType="tmRoot"/>
+      </p:par>
+    </p:tnLst>
+  </p:timing>
 </p:sld>
 </file>
 
@@ -14153,6 +14160,13 @@
   <p:clrMapOvr>
     <a:masterClrMapping/>
   </p:clrMapOvr>
+  <p:timing>
+    <p:tnLst>
+      <p:par>
+        <p:cTn xmlns:p14="http://schemas.microsoft.com/office/powerpoint/2010/main" id="1" dur="indefinite" restart="never" nodeType="tmRoot"/>
+      </p:par>
+    </p:tnLst>
+  </p:timing>
 </p:sld>
 </file>
 
@@ -14401,6 +14415,13 @@
   <p:clrMapOvr>
     <a:masterClrMapping/>
   </p:clrMapOvr>
+  <p:timing>
+    <p:tnLst>
+      <p:par>
+        <p:cTn xmlns:p14="http://schemas.microsoft.com/office/powerpoint/2010/main" id="1" dur="indefinite" restart="never" nodeType="tmRoot"/>
+      </p:par>
+    </p:tnLst>
+  </p:timing>
 </p:sld>
 </file>
 
@@ -14423,7 +14444,7 @@
       </p:grpSpPr>
       <p:sp>
         <p:nvSpPr>
-          <p:cNvPr id="7" name="Title 6"/>
+          <p:cNvPr id="2" name="Title 1"/>
           <p:cNvSpPr>
             <a:spLocks noGrp="1"/>
           </p:cNvSpPr>
@@ -14444,15 +14465,191 @@
           </a:p>
         </p:txBody>
       </p:sp>
+      <p:sp>
+        <p:nvSpPr>
+          <p:cNvPr id="4" name="Content Placeholder 3"/>
+          <p:cNvSpPr>
+            <a:spLocks noGrp="1"/>
+          </p:cNvSpPr>
+          <p:nvPr>
+            <p:ph sz="half" idx="2"/>
+          </p:nvPr>
+        </p:nvSpPr>
+        <p:spPr>
+          <a:xfrm>
+            <a:off x="4417391" y="2595563"/>
+            <a:ext cx="4296303" cy="3681412"/>
+          </a:xfrm>
+        </p:spPr>
+        <p:txBody>
+          <a:bodyPr/>
+          <a:lstStyle/>
+          <a:p>
+            <a:r>
+              <a:rPr lang="en-US" b="1" dirty="0" err="1" smtClean="0"/>
+              <a:t>Objetivo</a:t>
+            </a:r>
+            <a:r>
+              <a:rPr lang="en-US" b="1" dirty="0" smtClean="0"/>
+              <a:t>: </a:t>
+            </a:r>
+            <a:r>
+              <a:rPr lang="en-US" dirty="0" err="1" smtClean="0"/>
+              <a:t>Propor</a:t>
+            </a:r>
+            <a:r>
+              <a:rPr lang="en-US" dirty="0" smtClean="0"/>
+              <a:t> um </a:t>
+            </a:r>
+            <a:r>
+              <a:rPr lang="en-US" dirty="0" err="1" smtClean="0"/>
+              <a:t>m</a:t>
+            </a:r>
+            <a:r>
+              <a:rPr lang="en-US" dirty="0" err="1" smtClean="0"/>
+              <a:t>étodo</a:t>
+            </a:r>
+            <a:r>
+              <a:rPr lang="en-US" dirty="0" smtClean="0"/>
+              <a:t> de</a:t>
+            </a:r>
+            <a:r>
+              <a:rPr lang="en-US" dirty="0"/>
+              <a:t> </a:t>
+            </a:r>
+            <a:r>
+              <a:rPr lang="en-US" dirty="0" err="1" smtClean="0"/>
+              <a:t>d</a:t>
+            </a:r>
+            <a:r>
+              <a:rPr lang="en-US" dirty="0" err="1" smtClean="0"/>
+              <a:t>etec</a:t>
+            </a:r>
+            <a:r>
+              <a:rPr lang="en-US" dirty="0" err="1" smtClean="0"/>
+              <a:t>ção</a:t>
+            </a:r>
+            <a:r>
+              <a:rPr lang="en-US" dirty="0" smtClean="0"/>
+              <a:t> </a:t>
+            </a:r>
+            <a:r>
+              <a:rPr lang="en-US" dirty="0" smtClean="0"/>
+              <a:t>facial </a:t>
+            </a:r>
+            <a:r>
+              <a:rPr lang="en-US" dirty="0" err="1" smtClean="0"/>
+              <a:t>em</a:t>
+            </a:r>
+            <a:r>
+              <a:rPr lang="en-US" dirty="0" smtClean="0"/>
+              <a:t> </a:t>
+            </a:r>
+            <a:r>
+              <a:rPr lang="en-US" dirty="0" err="1" smtClean="0"/>
+              <a:t>uma</a:t>
+            </a:r>
+            <a:r>
+              <a:rPr lang="en-US" dirty="0" smtClean="0"/>
+              <a:t> </a:t>
+            </a:r>
+            <a:r>
+              <a:rPr lang="en-US" dirty="0" err="1" smtClean="0"/>
+              <a:t>imagem</a:t>
+            </a:r>
+            <a:r>
+              <a:rPr lang="en-US" dirty="0"/>
+              <a:t>,</a:t>
+            </a:r>
+            <a:r>
+              <a:rPr lang="en-US" dirty="0" smtClean="0"/>
+              <a:t> </a:t>
+            </a:r>
+            <a:r>
+              <a:rPr lang="en-US" dirty="0" err="1" smtClean="0"/>
+              <a:t>utilizando</a:t>
+            </a:r>
+            <a:r>
+              <a:rPr lang="en-US" dirty="0" smtClean="0"/>
+              <a:t> </a:t>
+            </a:r>
+            <a:r>
+              <a:rPr lang="en-US" dirty="0" err="1" smtClean="0"/>
+              <a:t>redes</a:t>
+            </a:r>
+            <a:r>
+              <a:rPr lang="en-US" dirty="0" smtClean="0"/>
+              <a:t> </a:t>
+            </a:r>
+            <a:r>
+              <a:rPr lang="en-US" dirty="0" err="1" smtClean="0"/>
+              <a:t>neurais</a:t>
+            </a:r>
+            <a:endParaRPr lang="en-US" dirty="0" smtClean="0"/>
+          </a:p>
+          <a:p>
+            <a:r>
+              <a:rPr lang="en-US" dirty="0" err="1" smtClean="0"/>
+              <a:t>Dificuldades</a:t>
+            </a:r>
+            <a:endParaRPr lang="en-US" dirty="0" smtClean="0"/>
+          </a:p>
+          <a:p>
+            <a:pPr lvl="1"/>
+            <a:r>
+              <a:rPr lang="en-US" dirty="0" err="1" smtClean="0"/>
+              <a:t>Ilumina</a:t>
+            </a:r>
+            <a:r>
+              <a:rPr lang="en-US" dirty="0" err="1" smtClean="0"/>
+              <a:t>ção</a:t>
+            </a:r>
+            <a:endParaRPr lang="en-US" dirty="0"/>
+          </a:p>
+          <a:p>
+            <a:pPr lvl="1"/>
+            <a:r>
+              <a:rPr lang="en-US" dirty="0" err="1" smtClean="0"/>
+              <a:t>Expressões</a:t>
+            </a:r>
+            <a:endParaRPr lang="en-US" dirty="0"/>
+          </a:p>
+          <a:p>
+            <a:pPr lvl="1"/>
+            <a:r>
+              <a:rPr lang="en-US" dirty="0" err="1" smtClean="0"/>
+              <a:t>Oclusão</a:t>
+            </a:r>
+            <a:endParaRPr lang="en-US" dirty="0" smtClean="0"/>
+          </a:p>
+          <a:p>
+            <a:pPr lvl="1"/>
+            <a:r>
+              <a:rPr lang="en-US" dirty="0" err="1" smtClean="0"/>
+              <a:t>Inclinação</a:t>
+            </a:r>
+            <a:endParaRPr lang="en-US" dirty="0" smtClean="0"/>
+          </a:p>
+          <a:p>
+            <a:r>
+              <a:rPr lang="en-US" dirty="0" err="1" smtClean="0"/>
+              <a:t>Múltiplas</a:t>
+            </a:r>
+            <a:r>
+              <a:rPr lang="en-US" dirty="0" smtClean="0"/>
+              <a:t> faces</a:t>
+            </a:r>
+            <a:endParaRPr lang="en-US" dirty="0"/>
+          </a:p>
+        </p:txBody>
+      </p:sp>
       <p:pic>
         <p:nvPicPr>
           <p:cNvPr id="5" name="Content Placeholder 4" descr="wee-adrian1.gif"/>
           <p:cNvPicPr>
-            <a:picLocks noGrp="1" noChangeAspect="1"/>
+            <a:picLocks noChangeAspect="1"/>
           </p:cNvPicPr>
-          <p:nvPr>
-            <p:ph sz="half" idx="1"/>
-          </p:nvPr>
+          <p:nvPr/>
         </p:nvPicPr>
         <p:blipFill>
           <a:blip r:embed="rId2">
@@ -14472,17 +14669,18 @@
             <a:off x="1117600" y="2595563"/>
             <a:ext cx="1175101" cy="1213078"/>
           </a:xfrm>
+          <a:prstGeom prst="rect">
+            <a:avLst/>
+          </a:prstGeom>
         </p:spPr>
       </p:pic>
       <p:pic>
         <p:nvPicPr>
-          <p:cNvPr id="4" name="Content Placeholder 3" descr="im2.jpg"/>
+          <p:cNvPr id="6" name="Picture 5" descr="if3206.jpeg"/>
           <p:cNvPicPr>
-            <a:picLocks noGrp="1" noChangeAspect="1"/>
+            <a:picLocks noChangeAspect="1"/>
           </p:cNvPicPr>
-          <p:nvPr>
-            <p:ph sz="half" idx="2"/>
-          </p:nvPr>
+          <p:nvPr/>
         </p:nvPicPr>
         <p:blipFill>
           <a:blip r:embed="rId3">
@@ -14492,21 +14690,23 @@
               </a:ext>
             </a:extLst>
           </a:blip>
-          <a:srcRect l="3110" r="3110"/>
           <a:stretch>
             <a:fillRect/>
           </a:stretch>
         </p:blipFill>
         <p:spPr>
           <a:xfrm>
-            <a:off x="4238625" y="2595563"/>
-            <a:ext cx="4675188" cy="3681412"/>
-          </a:xfrm>
+            <a:off x="2314994" y="2595563"/>
+            <a:ext cx="1629508" cy="1213078"/>
+          </a:xfrm>
+          <a:prstGeom prst="rect">
+            <a:avLst/>
+          </a:prstGeom>
         </p:spPr>
       </p:pic>
       <p:pic>
         <p:nvPicPr>
-          <p:cNvPr id="6" name="Picture 5" descr="if3206.jpeg"/>
+          <p:cNvPr id="7" name="Picture 6" descr="wee-kirsty18.gif"/>
           <p:cNvPicPr>
             <a:picLocks noChangeAspect="1"/>
           </p:cNvPicPr>
@@ -14526,8 +14726,8 @@
         </p:blipFill>
         <p:spPr>
           <a:xfrm>
-            <a:off x="2314994" y="2595563"/>
-            <a:ext cx="1629508" cy="1213078"/>
+            <a:off x="1112231" y="3889873"/>
+            <a:ext cx="1041400" cy="1193800"/>
           </a:xfrm>
           <a:prstGeom prst="rect">
             <a:avLst/>
@@ -14536,7 +14736,7 @@
       </p:pic>
       <p:pic>
         <p:nvPicPr>
-          <p:cNvPr id="8" name="Picture 7" descr="wee-kirsty18.gif"/>
+          <p:cNvPr id="8" name="Picture 7" descr="if1306.jpeg"/>
           <p:cNvPicPr>
             <a:picLocks noChangeAspect="1"/>
           </p:cNvPicPr>
@@ -14556,8 +14756,8 @@
         </p:blipFill>
         <p:spPr>
           <a:xfrm>
-            <a:off x="1112231" y="3889873"/>
-            <a:ext cx="1041400" cy="1193800"/>
+            <a:off x="2314994" y="3978848"/>
+            <a:ext cx="1379718" cy="1027123"/>
           </a:xfrm>
           <a:prstGeom prst="rect">
             <a:avLst/>
@@ -14566,7 +14766,7 @@
       </p:pic>
       <p:pic>
         <p:nvPicPr>
-          <p:cNvPr id="9" name="Picture 8" descr="if1306.jpeg"/>
+          <p:cNvPr id="9" name="Picture 8" descr="if2507.jpeg"/>
           <p:cNvPicPr>
             <a:picLocks noChangeAspect="1"/>
           </p:cNvPicPr>
@@ -14586,8 +14786,8 @@
         </p:blipFill>
         <p:spPr>
           <a:xfrm>
-            <a:off x="2314994" y="3978848"/>
-            <a:ext cx="1379718" cy="1027123"/>
+            <a:off x="896331" y="5206454"/>
+            <a:ext cx="1257300" cy="935990"/>
           </a:xfrm>
           <a:prstGeom prst="rect">
             <a:avLst/>
@@ -14596,7 +14796,7 @@
       </p:pic>
       <p:pic>
         <p:nvPicPr>
-          <p:cNvPr id="10" name="Picture 9" descr="if2507.jpeg"/>
+          <p:cNvPr id="10" name="Picture 9" descr="wee-andrew!45.gif"/>
           <p:cNvPicPr>
             <a:picLocks noChangeAspect="1"/>
           </p:cNvPicPr>
@@ -14616,36 +14816,6 @@
         </p:blipFill>
         <p:spPr>
           <a:xfrm>
-            <a:off x="896331" y="5206454"/>
-            <a:ext cx="1257300" cy="935990"/>
-          </a:xfrm>
-          <a:prstGeom prst="rect">
-            <a:avLst/>
-          </a:prstGeom>
-        </p:spPr>
-      </p:pic>
-      <p:pic>
-        <p:nvPicPr>
-          <p:cNvPr id="13" name="Picture 12" descr="wee-andrew!45.gif"/>
-          <p:cNvPicPr>
-            <a:picLocks noChangeAspect="1"/>
-          </p:cNvPicPr>
-          <p:nvPr/>
-        </p:nvPicPr>
-        <p:blipFill>
-          <a:blip r:embed="rId8">
-            <a:extLst>
-              <a:ext uri="{28A0092B-C50C-407E-A947-70E740481C1C}">
-                <a14:useLocalDpi xmlns:a14="http://schemas.microsoft.com/office/drawing/2010/main" val="0"/>
-              </a:ext>
-            </a:extLst>
-          </a:blip>
-          <a:stretch>
-            <a:fillRect/>
-          </a:stretch>
-        </p:blipFill>
-        <p:spPr>
-          <a:xfrm>
             <a:off x="2464759" y="5088446"/>
             <a:ext cx="1041400" cy="1282700"/>
           </a:xfrm>
@@ -14657,7 +14827,7 @@
     </p:spTree>
     <p:extLst>
       <p:ext uri="{BB962C8B-B14F-4D97-AF65-F5344CB8AC3E}">
-        <p14:creationId xmlns:p14="http://schemas.microsoft.com/office/powerpoint/2010/main" val="2977175205"/>
+        <p14:creationId xmlns:p14="http://schemas.microsoft.com/office/powerpoint/2010/main" val="1050858724"/>
       </p:ext>
     </p:extLst>
   </p:cSld>
@@ -15213,11 +15383,7 @@
             <a:pPr lvl="2"/>
             <a:r>
               <a:rPr lang="en-US" dirty="0" err="1" smtClean="0"/>
-              <a:t>Convers</a:t>
-            </a:r>
-            <a:r>
-              <a:rPr lang="en-US" dirty="0" err="1" smtClean="0"/>
-              <a:t>ão</a:t>
+              <a:t>Conversão</a:t>
             </a:r>
             <a:r>
               <a:rPr lang="en-US" dirty="0" smtClean="0"/>
@@ -15473,21 +15639,13 @@
             </a:r>
             <a:r>
               <a:rPr lang="en-US" dirty="0" smtClean="0"/>
-              <a:t>: </a:t>
-            </a:r>
-            <a:r>
-              <a:rPr lang="en-US" dirty="0" smtClean="0"/>
-              <a:t>40</a:t>
-            </a:r>
-          </a:p>
-          <a:p>
-            <a:r>
-              <a:rPr lang="en-US" dirty="0" err="1" smtClean="0"/>
-              <a:t>Distribui</a:t>
-            </a:r>
-            <a:r>
-              <a:rPr lang="en-US" dirty="0" err="1" smtClean="0"/>
-              <a:t>ção</a:t>
+              <a:t>: 40</a:t>
+            </a:r>
+          </a:p>
+          <a:p>
+            <a:r>
+              <a:rPr lang="en-US" dirty="0" err="1" smtClean="0"/>
+              <a:t>Distribuição</a:t>
             </a:r>
             <a:endParaRPr lang="en-US" dirty="0"/>
           </a:p>
@@ -15527,7 +15685,6 @@
               <a:rPr lang="en-US" dirty="0" smtClean="0"/>
               <a:t>: 0.01</a:t>
             </a:r>
-            <a:endParaRPr lang="en-US" dirty="0" smtClean="0"/>
           </a:p>
           <a:p>
             <a:r>
@@ -15594,11 +15751,7 @@
           <a:p>
             <a:r>
               <a:rPr lang="en-US" dirty="0" err="1" smtClean="0"/>
-              <a:t>Prot</a:t>
-            </a:r>
-            <a:r>
-              <a:rPr lang="en-US" dirty="0" err="1" smtClean="0"/>
-              <a:t>ótipo</a:t>
+              <a:t>Protótipo</a:t>
             </a:r>
             <a:r>
               <a:rPr lang="en-US" dirty="0" smtClean="0"/>
@@ -15610,11 +15763,7 @@
             </a:r>
             <a:r>
               <a:rPr lang="en-US" dirty="0" smtClean="0"/>
-              <a:t> </a:t>
-            </a:r>
-            <a:r>
-              <a:rPr lang="en-US" dirty="0" smtClean="0"/>
-              <a:t>C</a:t>
+              <a:t> C</a:t>
             </a:r>
             <a:endParaRPr lang="en-US" dirty="0"/>
           </a:p>
@@ -15723,34 +15872,21 @@
             </a:r>
             <a:r>
               <a:rPr lang="en-US" dirty="0" smtClean="0"/>
-              <a:t>: </a:t>
-            </a:r>
-            <a:r>
-              <a:rPr lang="en-US" dirty="0" smtClean="0"/>
-              <a:t>0.2</a:t>
-            </a:r>
-            <a:endParaRPr lang="en-US" dirty="0" smtClean="0"/>
+              <a:t>: 0.2</a:t>
+            </a:r>
           </a:p>
           <a:p>
             <a:pPr lvl="1"/>
             <a:r>
               <a:rPr lang="en-US" dirty="0" smtClean="0"/>
-              <a:t>Final: </a:t>
-            </a:r>
-            <a:r>
-              <a:rPr lang="en-US" dirty="0" smtClean="0"/>
-              <a:t>0.01</a:t>
+              <a:t>Final: 0.01</a:t>
             </a:r>
             <a:endParaRPr lang="en-US" dirty="0"/>
           </a:p>
           <a:p>
             <a:r>
               <a:rPr lang="en-US" dirty="0" err="1" smtClean="0"/>
-              <a:t>Converg</a:t>
-            </a:r>
-            <a:r>
-              <a:rPr lang="en-US" dirty="0" err="1" smtClean="0"/>
-              <a:t>ência</a:t>
+              <a:t>Convergência</a:t>
             </a:r>
             <a:r>
               <a:rPr lang="en-US" dirty="0" smtClean="0"/>
@@ -15761,11 +15897,7 @@
           <a:p>
             <a:r>
               <a:rPr lang="en-US" dirty="0" smtClean="0"/>
-              <a:t>Performance</a:t>
-            </a:r>
-            <a:r>
-              <a:rPr lang="en-US" dirty="0" smtClean="0"/>
-              <a:t>: 86.11%</a:t>
+              <a:t>Performance: 86.11%</a:t>
             </a:r>
           </a:p>
           <a:p>

--- a/projeto RN.pptx
+++ b/projeto RN.pptx
@@ -228,7 +228,7 @@
           <a:p>
             <a:fld id="{9F5B8AE1-A868-454D-9019-D713EF62A972}" type="datetimeFigureOut">
               <a:rPr lang="en-US" smtClean="0"/>
-              <a:t>18/07/12</a:t>
+              <a:t>7/18/12</a:t>
             </a:fld>
             <a:endParaRPr lang="en-US"/>
           </a:p>
@@ -715,7 +715,7 @@
           <a:p>
             <a:fld id="{70FAA508-F0CD-46EA-95FB-26B559A0B5D9}" type="datetimeFigureOut">
               <a:rPr lang="en-US" smtClean="0"/>
-              <a:t>18/07/12</a:t>
+              <a:t>7/18/12</a:t>
             </a:fld>
             <a:endParaRPr lang="en-US"/>
           </a:p>
@@ -1036,7 +1036,7 @@
           <a:p>
             <a:fld id="{70FAA508-F0CD-46EA-95FB-26B559A0B5D9}" type="datetimeFigureOut">
               <a:rPr lang="en-US" smtClean="0"/>
-              <a:t>18/07/12</a:t>
+              <a:t>7/18/12</a:t>
             </a:fld>
             <a:endParaRPr lang="en-US"/>
           </a:p>
@@ -1313,7 +1313,7 @@
           <a:p>
             <a:fld id="{70FAA508-F0CD-46EA-95FB-26B559A0B5D9}" type="datetimeFigureOut">
               <a:rPr lang="en-US" smtClean="0"/>
-              <a:t>18/07/12</a:t>
+              <a:t>7/18/12</a:t>
             </a:fld>
             <a:endParaRPr lang="en-US"/>
           </a:p>
@@ -1607,7 +1607,7 @@
           <a:p>
             <a:fld id="{70FAA508-F0CD-46EA-95FB-26B559A0B5D9}" type="datetimeFigureOut">
               <a:rPr lang="en-US" smtClean="0"/>
-              <a:t>18/07/12</a:t>
+              <a:t>7/18/12</a:t>
             </a:fld>
             <a:endParaRPr lang="en-US"/>
           </a:p>
@@ -1936,7 +1936,7 @@
           <a:p>
             <a:fld id="{70FAA508-F0CD-46EA-95FB-26B559A0B5D9}" type="datetimeFigureOut">
               <a:rPr lang="en-US" smtClean="0"/>
-              <a:t>18/07/12</a:t>
+              <a:t>7/18/12</a:t>
             </a:fld>
             <a:endParaRPr lang="en-US"/>
           </a:p>
@@ -2187,7 +2187,7 @@
           <a:p>
             <a:fld id="{70FAA508-F0CD-46EA-95FB-26B559A0B5D9}" type="datetimeFigureOut">
               <a:rPr lang="en-US" smtClean="0"/>
-              <a:t>18/07/12</a:t>
+              <a:t>7/18/12</a:t>
             </a:fld>
             <a:endParaRPr lang="en-US"/>
           </a:p>
@@ -2366,7 +2366,7 @@
           <a:p>
             <a:fld id="{70FAA508-F0CD-46EA-95FB-26B559A0B5D9}" type="datetimeFigureOut">
               <a:rPr lang="en-US" smtClean="0"/>
-              <a:t>18/07/12</a:t>
+              <a:t>7/18/12</a:t>
             </a:fld>
             <a:endParaRPr lang="en-US"/>
           </a:p>
@@ -2535,7 +2535,7 @@
           <a:p>
             <a:fld id="{70FAA508-F0CD-46EA-95FB-26B559A0B5D9}" type="datetimeFigureOut">
               <a:rPr lang="en-US" smtClean="0"/>
-              <a:t>18/07/12</a:t>
+              <a:t>7/18/12</a:t>
             </a:fld>
             <a:endParaRPr lang="en-US"/>
           </a:p>
@@ -2804,7 +2804,7 @@
           <a:p>
             <a:fld id="{70FAA508-F0CD-46EA-95FB-26B559A0B5D9}" type="datetimeFigureOut">
               <a:rPr lang="en-US" smtClean="0"/>
-              <a:t>18/07/12</a:t>
+              <a:t>7/18/12</a:t>
             </a:fld>
             <a:endParaRPr lang="en-US"/>
           </a:p>
@@ -3111,7 +3111,7 @@
           <a:p>
             <a:fld id="{70FAA508-F0CD-46EA-95FB-26B559A0B5D9}" type="datetimeFigureOut">
               <a:rPr lang="en-US" smtClean="0"/>
-              <a:t>18/07/12</a:t>
+              <a:t>7/18/12</a:t>
             </a:fld>
             <a:endParaRPr lang="en-US"/>
           </a:p>
@@ -3403,7 +3403,7 @@
           <a:p>
             <a:fld id="{70FAA508-F0CD-46EA-95FB-26B559A0B5D9}" type="datetimeFigureOut">
               <a:rPr lang="en-US" smtClean="0"/>
-              <a:t>18/07/12</a:t>
+              <a:t>7/18/12</a:t>
             </a:fld>
             <a:endParaRPr lang="en-US"/>
           </a:p>
@@ -3833,7 +3833,7 @@
           <a:p>
             <a:fld id="{70FAA508-F0CD-46EA-95FB-26B559A0B5D9}" type="datetimeFigureOut">
               <a:rPr lang="en-US" smtClean="0"/>
-              <a:t>18/07/12</a:t>
+              <a:t>7/18/12</a:t>
             </a:fld>
             <a:endParaRPr lang="en-US"/>
           </a:p>
@@ -4179,7 +4179,7 @@
           <a:p>
             <a:fld id="{70FAA508-F0CD-46EA-95FB-26B559A0B5D9}" type="datetimeFigureOut">
               <a:rPr lang="en-US" smtClean="0"/>
-              <a:t>18/07/12</a:t>
+              <a:t>7/18/12</a:t>
             </a:fld>
             <a:endParaRPr lang="en-US"/>
           </a:p>
@@ -4269,7 +4269,7 @@
           <a:p>
             <a:fld id="{70FAA508-F0CD-46EA-95FB-26B559A0B5D9}" type="datetimeFigureOut">
               <a:rPr lang="en-US" smtClean="0"/>
-              <a:t>18/07/12</a:t>
+              <a:t>7/18/12</a:t>
             </a:fld>
             <a:endParaRPr lang="en-US"/>
           </a:p>
@@ -4606,7 +4606,7 @@
           <a:p>
             <a:fld id="{70FAA508-F0CD-46EA-95FB-26B559A0B5D9}" type="datetimeFigureOut">
               <a:rPr lang="en-US" smtClean="0"/>
-              <a:t>18/07/12</a:t>
+              <a:t>7/18/12</a:t>
             </a:fld>
             <a:endParaRPr lang="en-US"/>
           </a:p>
@@ -4818,7 +4818,7 @@
           <a:p>
             <a:fld id="{70FAA508-F0CD-46EA-95FB-26B559A0B5D9}" type="datetimeFigureOut">
               <a:rPr lang="en-US" smtClean="0"/>
-              <a:t>18/07/12</a:t>
+              <a:t>7/18/12</a:t>
             </a:fld>
             <a:endParaRPr lang="en-US"/>
           </a:p>
@@ -13726,7 +13726,7 @@
         </p:spPr>
         <p:txBody>
           <a:bodyPr>
-            <a:normAutofit lnSpcReduction="10000"/>
+            <a:normAutofit fontScale="92500"/>
           </a:bodyPr>
           <a:lstStyle/>
           <a:p>
@@ -13917,7 +13917,15 @@
             </a:r>
             <a:r>
               <a:rPr lang="en-US" dirty="0" smtClean="0"/>
-              <a:t> das 4 </a:t>
+              <a:t> de 2/3 das </a:t>
+            </a:r>
+            <a:r>
+              <a:rPr lang="en-US" dirty="0" err="1" smtClean="0"/>
+              <a:t>linhas</a:t>
+            </a:r>
+            <a:r>
+              <a:rPr lang="en-US" dirty="0" smtClean="0"/>
+              <a:t> e </a:t>
             </a:r>
             <a:r>
               <a:rPr lang="en-US" dirty="0" err="1" smtClean="0"/>
@@ -13925,19 +13933,11 @@
             </a:r>
             <a:r>
               <a:rPr lang="en-US" dirty="0" smtClean="0"/>
-              <a:t> </a:t>
-            </a:r>
-            <a:r>
-              <a:rPr lang="en-US" dirty="0" err="1" smtClean="0"/>
-              <a:t>menos</a:t>
-            </a:r>
-            <a:r>
-              <a:rPr lang="en-US" dirty="0" smtClean="0"/>
-              <a:t> </a:t>
-            </a:r>
-            <a:r>
-              <a:rPr lang="en-US" dirty="0" err="1" smtClean="0"/>
-              <a:t>significantes</a:t>
+              <a:t> de forma </a:t>
+            </a:r>
+            <a:r>
+              <a:rPr lang="en-US" dirty="0" err="1" smtClean="0"/>
+              <a:t>alternada</a:t>
             </a:r>
             <a:endParaRPr lang="en-US" dirty="0" smtClean="0"/>
           </a:p>
@@ -14503,11 +14503,7 @@
             </a:r>
             <a:r>
               <a:rPr lang="en-US" dirty="0" err="1" smtClean="0"/>
-              <a:t>m</a:t>
-            </a:r>
-            <a:r>
-              <a:rPr lang="en-US" dirty="0" err="1" smtClean="0"/>
-              <a:t>étodo</a:t>
+              <a:t>método</a:t>
             </a:r>
             <a:r>
               <a:rPr lang="en-US" dirty="0" smtClean="0"/>
@@ -14519,23 +14515,11 @@
             </a:r>
             <a:r>
               <a:rPr lang="en-US" dirty="0" err="1" smtClean="0"/>
-              <a:t>d</a:t>
-            </a:r>
-            <a:r>
-              <a:rPr lang="en-US" dirty="0" err="1" smtClean="0"/>
-              <a:t>etec</a:t>
-            </a:r>
-            <a:r>
-              <a:rPr lang="en-US" dirty="0" err="1" smtClean="0"/>
-              <a:t>ção</a:t>
-            </a:r>
-            <a:r>
-              <a:rPr lang="en-US" dirty="0" smtClean="0"/>
-              <a:t> </a:t>
-            </a:r>
-            <a:r>
-              <a:rPr lang="en-US" dirty="0" smtClean="0"/>
-              <a:t>facial </a:t>
+              <a:t>detecção</a:t>
+            </a:r>
+            <a:r>
+              <a:rPr lang="en-US" dirty="0" smtClean="0"/>
+              <a:t> facial </a:t>
             </a:r>
             <a:r>
               <a:rPr lang="en-US" dirty="0" err="1" smtClean="0"/>
@@ -14598,11 +14582,7 @@
             <a:pPr lvl="1"/>
             <a:r>
               <a:rPr lang="en-US" dirty="0" err="1" smtClean="0"/>
-              <a:t>Ilumina</a:t>
-            </a:r>
-            <a:r>
-              <a:rPr lang="en-US" dirty="0" err="1" smtClean="0"/>
-              <a:t>ção</a:t>
+              <a:t>Iluminação</a:t>
             </a:r>
             <a:endParaRPr lang="en-US" dirty="0"/>
           </a:p>
